--- a/onderwijsmateriaal/presentaties/STD-naar-code.pptx
+++ b/onderwijsmateriaal/presentaties/STD-naar-code.pptx
@@ -5,7 +5,7 @@
     <p:sldMasterId id="2147483660" r:id="rId1"/>
   </p:sldMasterIdLst>
   <p:notesMasterIdLst>
-    <p:notesMasterId r:id="rId37"/>
+    <p:notesMasterId r:id="rId36"/>
   </p:notesMasterIdLst>
   <p:sldIdLst>
     <p:sldId id="257" r:id="rId2"/>
@@ -38,11 +38,10 @@
     <p:sldId id="283" r:id="rId29"/>
     <p:sldId id="284" r:id="rId30"/>
     <p:sldId id="285" r:id="rId31"/>
-    <p:sldId id="292" r:id="rId32"/>
-    <p:sldId id="291" r:id="rId33"/>
-    <p:sldId id="286" r:id="rId34"/>
-    <p:sldId id="287" r:id="rId35"/>
-    <p:sldId id="288" r:id="rId36"/>
+    <p:sldId id="291" r:id="rId32"/>
+    <p:sldId id="286" r:id="rId33"/>
+    <p:sldId id="287" r:id="rId34"/>
+    <p:sldId id="288" r:id="rId35"/>
   </p:sldIdLst>
   <p:sldSz cx="12192000" cy="6858000"/>
   <p:notesSz cx="6858000" cy="9144000"/>
@@ -330,6 +329,45 @@
         <pc:sldMkLst>
           <pc:docMk/>
           <pc:sldMk cId="3009979321" sldId="293"/>
+        </pc:sldMkLst>
+      </pc:sldChg>
+    </pc:docChg>
+  </pc:docChgLst>
+  <pc:docChgLst>
+    <pc:chgData name="Marius Versteegen" userId="3db87500-6bb8-48d8-b495-b010ee39f961" providerId="ADAL" clId="{D2490DA7-6C72-4DCC-B8FB-E6A3DD35BD1C}"/>
+    <pc:docChg chg="custSel delSld modSld">
+      <pc:chgData name="Marius Versteegen" userId="3db87500-6bb8-48d8-b495-b010ee39f961" providerId="ADAL" clId="{D2490DA7-6C72-4DCC-B8FB-E6A3DD35BD1C}" dt="2024-10-10T09:48:11.232" v="2" actId="1076"/>
+      <pc:docMkLst>
+        <pc:docMk/>
+      </pc:docMkLst>
+      <pc:sldChg chg="delSp modSp mod">
+        <pc:chgData name="Marius Versteegen" userId="3db87500-6bb8-48d8-b495-b010ee39f961" providerId="ADAL" clId="{D2490DA7-6C72-4DCC-B8FB-E6A3DD35BD1C}" dt="2024-10-10T09:48:11.232" v="2" actId="1076"/>
+        <pc:sldMkLst>
+          <pc:docMk/>
+          <pc:sldMk cId="3376161104" sldId="291"/>
+        </pc:sldMkLst>
+        <pc:spChg chg="mod">
+          <ac:chgData name="Marius Versteegen" userId="3db87500-6bb8-48d8-b495-b010ee39f961" providerId="ADAL" clId="{D2490DA7-6C72-4DCC-B8FB-E6A3DD35BD1C}" dt="2024-10-10T09:48:11.232" v="2" actId="1076"/>
+          <ac:spMkLst>
+            <pc:docMk/>
+            <pc:sldMk cId="3376161104" sldId="291"/>
+            <ac:spMk id="8" creationId="{B954FE1B-C155-F78F-2E54-39E881BEFFAA}"/>
+          </ac:spMkLst>
+        </pc:spChg>
+        <pc:picChg chg="del">
+          <ac:chgData name="Marius Versteegen" userId="3db87500-6bb8-48d8-b495-b010ee39f961" providerId="ADAL" clId="{D2490DA7-6C72-4DCC-B8FB-E6A3DD35BD1C}" dt="2024-10-10T09:48:06.574" v="1" actId="478"/>
+          <ac:picMkLst>
+            <pc:docMk/>
+            <pc:sldMk cId="3376161104" sldId="291"/>
+            <ac:picMk id="5" creationId="{C5422576-9DE5-907D-3FDF-BE106D53FA0D}"/>
+          </ac:picMkLst>
+        </pc:picChg>
+      </pc:sldChg>
+      <pc:sldChg chg="del">
+        <pc:chgData name="Marius Versteegen" userId="3db87500-6bb8-48d8-b495-b010ee39f961" providerId="ADAL" clId="{D2490DA7-6C72-4DCC-B8FB-E6A3DD35BD1C}" dt="2024-10-10T09:48:00.773" v="0" actId="47"/>
+        <pc:sldMkLst>
+          <pc:docMk/>
+          <pc:sldMk cId="835483372" sldId="292"/>
         </pc:sldMkLst>
       </pc:sldChg>
     </pc:docChg>
@@ -2994,7 +3032,7 @@
           <a:p>
             <a:fld id="{2FEA8067-9D27-4B80-BEBB-73A945A422C1}" type="datetimeFigureOut">
               <a:rPr lang="nl-NL" smtClean="0"/>
-              <a:t>9-10-2024</a:t>
+              <a:t>10-10-2024</a:t>
             </a:fld>
             <a:endParaRPr lang="nl-NL"/>
           </a:p>
@@ -3152,7 +3190,7 @@
           <a:p>
             <a:fld id="{50130A00-8D4D-4A85-94C9-00992D407956}" type="slidenum">
               <a:rPr lang="nl-NL" smtClean="0"/>
-              <a:t>‹nr.›</a:t>
+              <a:t>‹#›</a:t>
             </a:fld>
             <a:endParaRPr lang="nl-NL"/>
           </a:p>
@@ -11042,7 +11080,7 @@
           <a:p>
             <a:fld id="{4BFB65BC-BFEE-4BE6-896F-A3BD0256D559}" type="datetimeFigureOut">
               <a:rPr lang="nl-NL" smtClean="0"/>
-              <a:t>9-10-2024</a:t>
+              <a:t>10-10-2024</a:t>
             </a:fld>
             <a:endParaRPr lang="nl-NL"/>
           </a:p>
@@ -11084,7 +11122,7 @@
           <a:p>
             <a:fld id="{38477479-FC6A-4861-A97B-B6042EB75520}" type="slidenum">
               <a:rPr lang="nl-NL" smtClean="0"/>
-              <a:t>‹nr.›</a:t>
+              <a:t>‹#›</a:t>
             </a:fld>
             <a:endParaRPr lang="nl-NL"/>
           </a:p>
@@ -12996,7 +13034,7 @@
                 <a:tabLst/>
                 <a:defRPr/>
               </a:pPr>
-              <a:t>‹nr.›</a:t>
+              <a:t>‹#›</a:t>
             </a:fld>
             <a:r>
               <a:rPr kumimoji="0" lang="en-US" sz="4400" b="1" i="0" u="none" strike="noStrike" kern="1200" cap="none" spc="0" normalizeH="0" baseline="30000" noProof="0" dirty="0">
@@ -22725,107 +22763,6 @@
       </p:grpSpPr>
       <p:pic>
         <p:nvPicPr>
-          <p:cNvPr id="5" name="Tijdelijke aanduiding voor inhoud 4" descr="Afbeelding met tekst, diagram, lijn, schermopname&#10;&#10;Automatisch gegenereerde beschrijving">
-            <a:extLst>
-              <a:ext uri="{FF2B5EF4-FFF2-40B4-BE49-F238E27FC236}">
-                <a16:creationId xmlns:a16="http://schemas.microsoft.com/office/drawing/2014/main" id="{7B9FAF2C-2764-8147-6278-04798B993340}"/>
-              </a:ext>
-            </a:extLst>
-          </p:cNvPr>
-          <p:cNvPicPr>
-            <a:picLocks noGrp="1" noChangeAspect="1"/>
-          </p:cNvPicPr>
-          <p:nvPr>
-            <p:ph sz="quarter" idx="11"/>
-          </p:nvPr>
-        </p:nvPicPr>
-        <p:blipFill>
-          <a:blip r:embed="rId2">
-            <a:extLst>
-              <a:ext uri="{28A0092B-C50C-407E-A947-70E740481C1C}">
-                <a14:useLocalDpi xmlns:a14="http://schemas.microsoft.com/office/drawing/2010/main" val="0"/>
-              </a:ext>
-            </a:extLst>
-          </a:blip>
-          <a:stretch>
-            <a:fillRect/>
-          </a:stretch>
-        </p:blipFill>
-        <p:spPr>
-          <a:xfrm>
-            <a:off x="1985211" y="288352"/>
-            <a:ext cx="7351295" cy="6281295"/>
-          </a:xfrm>
-        </p:spPr>
-      </p:pic>
-    </p:spTree>
-    <p:extLst>
-      <p:ext uri="{BB962C8B-B14F-4D97-AF65-F5344CB8AC3E}">
-        <p14:creationId xmlns:p14="http://schemas.microsoft.com/office/powerpoint/2010/main" val="835483372"/>
-      </p:ext>
-    </p:extLst>
-  </p:cSld>
-  <p:clrMapOvr>
-    <a:masterClrMapping/>
-  </p:clrMapOvr>
-</p:sld>
-</file>
-
-<file path=ppt/slides/slide32.xml><?xml version="1.0" encoding="utf-8"?>
-<p:sld xmlns:a="http://schemas.openxmlformats.org/drawingml/2006/main" xmlns:r="http://schemas.openxmlformats.org/officeDocument/2006/relationships" xmlns:p="http://schemas.openxmlformats.org/presentationml/2006/main">
-  <p:cSld>
-    <p:spTree>
-      <p:nvGrpSpPr>
-        <p:cNvPr id="1" name=""/>
-        <p:cNvGrpSpPr/>
-        <p:nvPr/>
-      </p:nvGrpSpPr>
-      <p:grpSpPr>
-        <a:xfrm>
-          <a:off x="0" y="0"/>
-          <a:ext cx="0" cy="0"/>
-          <a:chOff x="0" y="0"/>
-          <a:chExt cx="0" cy="0"/>
-        </a:xfrm>
-      </p:grpSpPr>
-      <p:pic>
-        <p:nvPicPr>
-          <p:cNvPr id="5" name="Afbeelding 4" descr="Afbeelding met tekst, diagram, lijn, schermopname&#10;&#10;Automatisch gegenereerde beschrijving">
-            <a:extLst>
-              <a:ext uri="{FF2B5EF4-FFF2-40B4-BE49-F238E27FC236}">
-                <a16:creationId xmlns:a16="http://schemas.microsoft.com/office/drawing/2014/main" id="{C5422576-9DE5-907D-3FDF-BE106D53FA0D}"/>
-              </a:ext>
-            </a:extLst>
-          </p:cNvPr>
-          <p:cNvPicPr>
-            <a:picLocks noChangeAspect="1"/>
-          </p:cNvPicPr>
-          <p:nvPr/>
-        </p:nvPicPr>
-        <p:blipFill>
-          <a:blip r:embed="rId2">
-            <a:extLst>
-              <a:ext uri="{28A0092B-C50C-407E-A947-70E740481C1C}">
-                <a14:useLocalDpi xmlns:a14="http://schemas.microsoft.com/office/drawing/2010/main" val="0"/>
-              </a:ext>
-            </a:extLst>
-          </a:blip>
-          <a:stretch>
-            <a:fillRect/>
-          </a:stretch>
-        </p:blipFill>
-        <p:spPr>
-          <a:xfrm>
-            <a:off x="67649" y="0"/>
-            <a:ext cx="5356607" cy="4576939"/>
-          </a:xfrm>
-          <a:prstGeom prst="rect">
-            <a:avLst/>
-          </a:prstGeom>
-        </p:spPr>
-      </p:pic>
-      <p:pic>
-        <p:nvPicPr>
           <p:cNvPr id="7" name="Afbeelding 6" descr="Afbeelding met tekst, schermopname, diagram, lijn&#10;&#10;Automatisch gegenereerde beschrijving">
             <a:extLst>
               <a:ext uri="{FF2B5EF4-FFF2-40B4-BE49-F238E27FC236}">
@@ -22839,7 +22776,7 @@
           <p:nvPr/>
         </p:nvPicPr>
         <p:blipFill>
-          <a:blip r:embed="rId3">
+          <a:blip r:embed="rId2">
             <a:extLst>
               <a:ext uri="{28A0092B-C50C-407E-A947-70E740481C1C}">
                 <a14:useLocalDpi xmlns:a14="http://schemas.microsoft.com/office/drawing/2010/main" val="0"/>
@@ -22874,7 +22811,7 @@
         </p:nvSpPr>
         <p:spPr>
           <a:xfrm>
-            <a:off x="704159" y="4880557"/>
+            <a:off x="200576" y="520592"/>
             <a:ext cx="4083585" cy="1631216"/>
           </a:xfrm>
           <a:prstGeom prst="rect">
@@ -22931,7 +22868,7 @@
 </p:sld>
 </file>
 
-<file path=ppt/slides/slide33.xml><?xml version="1.0" encoding="utf-8"?>
+<file path=ppt/slides/slide32.xml><?xml version="1.0" encoding="utf-8"?>
 <p:sld xmlns:a="http://schemas.openxmlformats.org/drawingml/2006/main" xmlns:r="http://schemas.openxmlformats.org/officeDocument/2006/relationships" xmlns:p="http://schemas.openxmlformats.org/presentationml/2006/main">
   <p:cSld>
     <p:spTree>
@@ -23049,7 +22986,7 @@
 </p:sld>
 </file>
 
-<file path=ppt/slides/slide34.xml><?xml version="1.0" encoding="utf-8"?>
+<file path=ppt/slides/slide33.xml><?xml version="1.0" encoding="utf-8"?>
 <p:sld xmlns:a="http://schemas.openxmlformats.org/drawingml/2006/main" xmlns:r="http://schemas.openxmlformats.org/officeDocument/2006/relationships" xmlns:p="http://schemas.openxmlformats.org/presentationml/2006/main">
   <p:cSld>
     <p:spTree>
@@ -23173,7 +23110,7 @@
 </p:sld>
 </file>
 
-<file path=ppt/slides/slide35.xml><?xml version="1.0" encoding="utf-8"?>
+<file path=ppt/slides/slide34.xml><?xml version="1.0" encoding="utf-8"?>
 <p:sld xmlns:a="http://schemas.openxmlformats.org/drawingml/2006/main" xmlns:r="http://schemas.openxmlformats.org/officeDocument/2006/relationships" xmlns:p="http://schemas.openxmlformats.org/presentationml/2006/main">
   <p:cSld>
     <p:spTree>
